--- a/проект ял2.pptx
+++ b/проект ял2.pptx
@@ -280,7 +280,7 @@
           <a:p>
             <a:fld id="{9F3C69A0-2A9B-4655-BC36-6407A610D709}" type="datetimeFigureOut">
               <a:rPr lang="ru-RU" smtClean="0"/>
-              <a:t>05.02.2025</a:t>
+              <a:t>26.02.2025</a:t>
             </a:fld>
             <a:endParaRPr lang="ru-RU"/>
           </a:p>
@@ -478,7 +478,7 @@
           <a:p>
             <a:fld id="{9F3C69A0-2A9B-4655-BC36-6407A610D709}" type="datetimeFigureOut">
               <a:rPr lang="ru-RU" smtClean="0"/>
-              <a:t>05.02.2025</a:t>
+              <a:t>26.02.2025</a:t>
             </a:fld>
             <a:endParaRPr lang="ru-RU"/>
           </a:p>
@@ -686,7 +686,7 @@
           <a:p>
             <a:fld id="{9F3C69A0-2A9B-4655-BC36-6407A610D709}" type="datetimeFigureOut">
               <a:rPr lang="ru-RU" smtClean="0"/>
-              <a:t>05.02.2025</a:t>
+              <a:t>26.02.2025</a:t>
             </a:fld>
             <a:endParaRPr lang="ru-RU"/>
           </a:p>
@@ -884,7 +884,7 @@
           <a:p>
             <a:fld id="{9F3C69A0-2A9B-4655-BC36-6407A610D709}" type="datetimeFigureOut">
               <a:rPr lang="ru-RU" smtClean="0"/>
-              <a:t>05.02.2025</a:t>
+              <a:t>26.02.2025</a:t>
             </a:fld>
             <a:endParaRPr lang="ru-RU"/>
           </a:p>
@@ -1159,7 +1159,7 @@
           <a:p>
             <a:fld id="{9F3C69A0-2A9B-4655-BC36-6407A610D709}" type="datetimeFigureOut">
               <a:rPr lang="ru-RU" smtClean="0"/>
-              <a:t>05.02.2025</a:t>
+              <a:t>26.02.2025</a:t>
             </a:fld>
             <a:endParaRPr lang="ru-RU"/>
           </a:p>
@@ -1424,7 +1424,7 @@
           <a:p>
             <a:fld id="{9F3C69A0-2A9B-4655-BC36-6407A610D709}" type="datetimeFigureOut">
               <a:rPr lang="ru-RU" smtClean="0"/>
-              <a:t>05.02.2025</a:t>
+              <a:t>26.02.2025</a:t>
             </a:fld>
             <a:endParaRPr lang="ru-RU"/>
           </a:p>
@@ -1836,7 +1836,7 @@
           <a:p>
             <a:fld id="{9F3C69A0-2A9B-4655-BC36-6407A610D709}" type="datetimeFigureOut">
               <a:rPr lang="ru-RU" smtClean="0"/>
-              <a:t>05.02.2025</a:t>
+              <a:t>26.02.2025</a:t>
             </a:fld>
             <a:endParaRPr lang="ru-RU"/>
           </a:p>
@@ -1977,7 +1977,7 @@
           <a:p>
             <a:fld id="{9F3C69A0-2A9B-4655-BC36-6407A610D709}" type="datetimeFigureOut">
               <a:rPr lang="ru-RU" smtClean="0"/>
-              <a:t>05.02.2025</a:t>
+              <a:t>26.02.2025</a:t>
             </a:fld>
             <a:endParaRPr lang="ru-RU"/>
           </a:p>
@@ -2090,7 +2090,7 @@
           <a:p>
             <a:fld id="{9F3C69A0-2A9B-4655-BC36-6407A610D709}" type="datetimeFigureOut">
               <a:rPr lang="ru-RU" smtClean="0"/>
-              <a:t>05.02.2025</a:t>
+              <a:t>26.02.2025</a:t>
             </a:fld>
             <a:endParaRPr lang="ru-RU"/>
           </a:p>
@@ -2401,7 +2401,7 @@
           <a:p>
             <a:fld id="{9F3C69A0-2A9B-4655-BC36-6407A610D709}" type="datetimeFigureOut">
               <a:rPr lang="ru-RU" smtClean="0"/>
-              <a:t>05.02.2025</a:t>
+              <a:t>26.02.2025</a:t>
             </a:fld>
             <a:endParaRPr lang="ru-RU"/>
           </a:p>
@@ -2689,7 +2689,7 @@
           <a:p>
             <a:fld id="{9F3C69A0-2A9B-4655-BC36-6407A610D709}" type="datetimeFigureOut">
               <a:rPr lang="ru-RU" smtClean="0"/>
-              <a:t>05.02.2025</a:t>
+              <a:t>26.02.2025</a:t>
             </a:fld>
             <a:endParaRPr lang="ru-RU"/>
           </a:p>
@@ -2930,7 +2930,7 @@
           <a:p>
             <a:fld id="{9F3C69A0-2A9B-4655-BC36-6407A610D709}" type="datetimeFigureOut">
               <a:rPr lang="ru-RU" smtClean="0"/>
-              <a:t>05.02.2025</a:t>
+              <a:t>26.02.2025</a:t>
             </a:fld>
             <a:endParaRPr lang="ru-RU"/>
           </a:p>
@@ -3373,7 +3373,7 @@
         </p:nvSpPr>
         <p:spPr>
           <a:xfrm>
-            <a:off x="621505" y="2604694"/>
+            <a:off x="649244" y="3015246"/>
             <a:ext cx="5260841" cy="2387600"/>
           </a:xfrm>
         </p:spPr>
@@ -3387,20 +3387,11 @@
             <a:r>
               <a:rPr lang="ru-RU" sz="4400" b="1" dirty="0">
                 <a:solidFill>
-                  <a:srgbClr val="C00000"/>
-                </a:solidFill>
-                <a:latin typeface="Arial Black" panose="020B0A04020102020204" pitchFamily="34" charset="0"/>
-              </a:rPr>
-              <a:t>Создание</a:t>
-            </a:r>
-            <a:r>
-              <a:rPr lang="ru-RU" sz="4400" b="1" dirty="0">
-                <a:solidFill>
                   <a:schemeClr val="bg1"/>
                 </a:solidFill>
                 <a:latin typeface="Arial Black" panose="020B0A04020102020204" pitchFamily="34" charset="0"/>
               </a:rPr>
-              <a:t> игры на языке программирования </a:t>
+              <a:t>Создание игры на языке программирования </a:t>
             </a:r>
             <a:r>
               <a:rPr lang="en-US" sz="4400" b="1" dirty="0">
@@ -3484,7 +3475,7 @@
                 <a:latin typeface="Arial Black" panose="020B0A04020102020204" pitchFamily="34" charset="0"/>
                 <a:cs typeface="Arial" panose="020B0604020202020204" pitchFamily="34" charset="0"/>
               </a:rPr>
-              <a:t>Шафростова</a:t>
+              <a:t>Шафоростова</a:t>
             </a:r>
             <a:r>
               <a:rPr lang="ru-RU" sz="1800" dirty="0">
@@ -21990,13 +21981,13 @@
         </p:nvCxnSpPr>
         <p:spPr>
           <a:xfrm flipV="1">
-            <a:off x="828836" y="4984181"/>
+            <a:off x="856575" y="5394733"/>
             <a:ext cx="4443867" cy="13858"/>
           </a:xfrm>
           <a:prstGeom prst="line">
             <a:avLst/>
           </a:prstGeom>
-          <a:ln w="31750">
+          <a:ln w="38100">
             <a:solidFill>
               <a:srgbClr val="C00000"/>
             </a:solidFill>
@@ -22371,6 +22362,176 @@
                 <a:latin typeface="Arial Black" panose="020B0A04020102020204" pitchFamily="34" charset="0"/>
               </a:rPr>
               <a:t>ИЗ КОМНАТЫ..</a:t>
+            </a:r>
+          </a:p>
+        </p:txBody>
+      </p:sp>
+      <p:sp>
+        <p:nvSpPr>
+          <p:cNvPr id="6" name="Rectangle 3">
+            <a:extLst>
+              <a:ext uri="{FF2B5EF4-FFF2-40B4-BE49-F238E27FC236}">
+                <a16:creationId xmlns:a16="http://schemas.microsoft.com/office/drawing/2014/main" id="{AB35AEC8-3247-877F-9239-B140063FBE6D}"/>
+              </a:ext>
+            </a:extLst>
+          </p:cNvPr>
+          <p:cNvSpPr>
+            <a:spLocks noChangeArrowheads="1"/>
+          </p:cNvSpPr>
+          <p:nvPr/>
+        </p:nvSpPr>
+        <p:spPr bwMode="auto">
+          <a:xfrm>
+            <a:off x="0" y="216033"/>
+            <a:ext cx="1981200" cy="366509"/>
+          </a:xfrm>
+          <a:prstGeom prst="rect">
+            <a:avLst/>
+          </a:prstGeom>
+          <a:noFill/>
+          <a:ln w="9525">
+            <a:solidFill>
+              <a:schemeClr val="tx1"/>
+            </a:solidFill>
+            <a:miter lim="800000"/>
+            <a:headEnd/>
+            <a:tailEnd/>
+          </a:ln>
+          <a:effectLst/>
+        </p:spPr>
+        <p:txBody>
+          <a:bodyPr vert="horz" wrap="square" lIns="91440" tIns="45720" rIns="91440" bIns="45720" numCol="1" anchor="ctr" anchorCtr="0" compatLnSpc="1">
+            <a:prstTxWarp prst="textNoShape">
+              <a:avLst/>
+            </a:prstTxWarp>
+            <a:spAutoFit/>
+          </a:bodyPr>
+          <a:lstStyle/>
+          <a:p>
+            <a:pPr marL="0" marR="0" lvl="0" indent="0" algn="l" defTabSz="914400" rtl="0" eaLnBrk="0" fontAlgn="base" latinLnBrk="0" hangingPunct="0">
+              <a:lnSpc>
+                <a:spcPct val="100000"/>
+              </a:lnSpc>
+              <a:spcBef>
+                <a:spcPct val="0"/>
+              </a:spcBef>
+              <a:spcAft>
+                <a:spcPct val="0"/>
+              </a:spcAft>
+              <a:buClrTx/>
+              <a:buSzTx/>
+              <a:buFontTx/>
+              <a:buNone/>
+              <a:tabLst/>
+            </a:pPr>
+            <a:endParaRPr kumimoji="0" lang="ru-RU" altLang="ru-RU" sz="4000" b="0" i="0" u="none" strike="noStrike" cap="none" normalizeH="0" baseline="0" dirty="0">
+              <a:ln>
+                <a:noFill/>
+              </a:ln>
+              <a:solidFill>
+                <a:srgbClr val="FF0000"/>
+              </a:solidFill>
+              <a:effectLst/>
+              <a:latin typeface="Arial Black" panose="020B0A04020102020204" pitchFamily="34" charset="0"/>
+            </a:endParaRPr>
+          </a:p>
+        </p:txBody>
+      </p:sp>
+      <p:sp>
+        <p:nvSpPr>
+          <p:cNvPr id="8" name="TextBox 7">
+            <a:extLst>
+              <a:ext uri="{FF2B5EF4-FFF2-40B4-BE49-F238E27FC236}">
+                <a16:creationId xmlns:a16="http://schemas.microsoft.com/office/drawing/2014/main" id="{BC474E17-665E-25A7-5E47-A31895937B41}"/>
+              </a:ext>
+            </a:extLst>
+          </p:cNvPr>
+          <p:cNvSpPr txBox="1"/>
+          <p:nvPr/>
+        </p:nvSpPr>
+        <p:spPr>
+          <a:xfrm>
+            <a:off x="698111" y="1199918"/>
+            <a:ext cx="6238874" cy="1446550"/>
+          </a:xfrm>
+          <a:prstGeom prst="rect">
+            <a:avLst/>
+          </a:prstGeom>
+          <a:noFill/>
+        </p:spPr>
+        <p:txBody>
+          <a:bodyPr wrap="square">
+            <a:spAutoFit/>
+          </a:bodyPr>
+          <a:lstStyle/>
+          <a:p>
+            <a:pPr marL="0" marR="0" lvl="0" indent="0" algn="l" defTabSz="914400" rtl="0" eaLnBrk="0" fontAlgn="base" latinLnBrk="0" hangingPunct="0">
+              <a:lnSpc>
+                <a:spcPct val="100000"/>
+              </a:lnSpc>
+              <a:spcBef>
+                <a:spcPct val="0"/>
+              </a:spcBef>
+              <a:spcAft>
+                <a:spcPct val="0"/>
+              </a:spcAft>
+              <a:buClrTx/>
+              <a:buSzTx/>
+              <a:buFontTx/>
+              <a:buNone/>
+              <a:tabLst/>
+            </a:pPr>
+            <a:r>
+              <a:rPr kumimoji="0" lang="ru-RU" altLang="ru-RU" sz="4400" b="0" i="0" u="sng" strike="noStrike" cap="none" normalizeH="0" baseline="0" dirty="0" err="1">
+                <a:ln>
+                  <a:noFill/>
+                </a:ln>
+                <a:solidFill>
+                  <a:srgbClr val="FF0000"/>
+                </a:solidFill>
+                <a:effectLst/>
+                <a:latin typeface="Arial Black" panose="020B0A04020102020204" pitchFamily="34" charset="0"/>
+              </a:rPr>
+              <a:t>Absolutely</a:t>
+            </a:r>
+            <a:r>
+              <a:rPr kumimoji="0" lang="ru-RU" altLang="ru-RU" sz="4400" b="0" i="0" u="sng" strike="noStrike" cap="none" normalizeH="0" baseline="0" dirty="0">
+                <a:ln>
+                  <a:noFill/>
+                </a:ln>
+                <a:solidFill>
+                  <a:srgbClr val="FF0000"/>
+                </a:solidFill>
+                <a:effectLst/>
+                <a:latin typeface="Arial Black" panose="020B0A04020102020204" pitchFamily="34" charset="0"/>
+              </a:rPr>
+              <a:t> </a:t>
+            </a:r>
+            <a:r>
+              <a:rPr kumimoji="0" lang="ru-RU" altLang="ru-RU" sz="4400" b="0" i="0" u="sng" strike="noStrike" cap="none" normalizeH="0" baseline="0" dirty="0" err="1">
+                <a:ln>
+                  <a:noFill/>
+                </a:ln>
+                <a:solidFill>
+                  <a:srgbClr val="FF0000"/>
+                </a:solidFill>
+                <a:effectLst/>
+                <a:latin typeface="Arial Black" panose="020B0A04020102020204" pitchFamily="34" charset="0"/>
+              </a:rPr>
+              <a:t>Depressive</a:t>
+            </a:r>
+            <a:r>
+              <a:rPr kumimoji="0" lang="ru-RU" altLang="ru-RU" sz="4400" b="0" i="0" u="sng" strike="noStrike" cap="none" normalizeH="0" baseline="0" dirty="0">
+                <a:ln>
+                  <a:noFill/>
+                </a:ln>
+                <a:solidFill>
+                  <a:srgbClr val="FF0000"/>
+                </a:solidFill>
+                <a:effectLst/>
+                <a:latin typeface="Arial Black" panose="020B0A04020102020204" pitchFamily="34" charset="0"/>
+              </a:rPr>
+              <a:t> Live</a:t>
             </a:r>
           </a:p>
         </p:txBody>
